--- a/Algoritmi Avansati/Cursuri/Algoritmi Avansați 2022 c-1.pptx
+++ b/Algoritmi Avansati/Cursuri/Algoritmi Avansați 2022 c-1.pptx
@@ -13617,7 +13617,7 @@
             </a:pPr>
             <a:r>
               <a:rPr lang="ro"/>
-              <a:t>Algoritmi Avansați 2021</a:t>
+              <a:t>Algoritmi Avansați 2022</a:t>
             </a:r>
             <a:br>
               <a:rPr lang="ro"/>
